--- a/Session2-Everythin_looks_the_same_in_boxes-Introduction_to_containerization/Where_are_you_Windows-Windows_Containers.pptx
+++ b/Session2-Everythin_looks_the_same_in_boxes-Introduction_to_containerization/Where_are_you_Windows-Windows_Containers.pptx
@@ -202,7 +202,7 @@
           <a:p>
             <a:fld id="{F1BAF915-D872-467E-B06B-AA030D28EC54}" type="datetimeFigureOut">
               <a:rPr lang="hu-HU" smtClean="0"/>
-              <a:t>2016. 09. 16.</a:t>
+              <a:t>2016. 10. 07.</a:t>
             </a:fld>
             <a:endParaRPr lang="hu-HU"/>
           </a:p>
@@ -513,6 +513,26 @@
           <a:bodyPr/>
           <a:lstStyle/>
           <a:p>
+            <a:r>
+              <a:rPr lang="en-US" b="1" dirty="0"/>
+              <a:t>Windows Server Containers</a:t>
+            </a:r>
+            <a:r>
+              <a:rPr lang="en-US" dirty="0"/>
+              <a:t> – provide application isolation through process and namespace isolation technology. A Windows Server container shares a kernel with the container host and all containers running on the host.</a:t>
+            </a:r>
+          </a:p>
+          <a:p>
+            <a:r>
+              <a:rPr lang="en-US" b="1" dirty="0"/>
+              <a:t>Hyper-V Containers</a:t>
+            </a:r>
+            <a:r>
+              <a:rPr lang="en-US" dirty="0"/>
+              <a:t> – expand on the isolation provided by Windows Server Containers by running each container in a highly optimized virtual machine. In this configuration the kernel of the container host is not shared with the Hyper-V Containers.</a:t>
+            </a:r>
+          </a:p>
+          <a:p>
             <a:endParaRPr lang="hu-HU" dirty="0"/>
           </a:p>
         </p:txBody>
@@ -607,7 +627,7 @@
           <a:p>
             <a:fld id="{DDCD61BB-790A-4EFE-904A-F3FC061E4182}" type="datetime8">
               <a:rPr lang="en-US" smtClean="0"/>
-              <a:t>9/16/2016 10:43 AM</a:t>
+              <a:t>10/7/2016 4:45 PM</a:t>
             </a:fld>
             <a:endParaRPr lang="en-US" dirty="0"/>
           </a:p>
@@ -828,7 +848,7 @@
           <a:p>
             <a:fld id="{DDCD61BB-790A-4EFE-904A-F3FC061E4182}" type="datetime8">
               <a:rPr lang="en-US" smtClean="0"/>
-              <a:t>9/16/2016 10:43 AM</a:t>
+              <a:t>10/7/2016 4:43 PM</a:t>
             </a:fld>
             <a:endParaRPr lang="en-US" dirty="0"/>
           </a:p>
@@ -1017,7 +1037,7 @@
           <a:p>
             <a:fld id="{DDCD61BB-790A-4EFE-904A-F3FC061E4182}" type="datetime8">
               <a:rPr lang="en-US" smtClean="0"/>
-              <a:t>9/16/2016 10:43 AM</a:t>
+              <a:t>10/7/2016 4:43 PM</a:t>
             </a:fld>
             <a:endParaRPr lang="en-US" dirty="0"/>
           </a:p>
@@ -1201,7 +1221,7 @@
           <a:p>
             <a:fld id="{DDCD61BB-790A-4EFE-904A-F3FC061E4182}" type="datetime8">
               <a:rPr lang="en-US" smtClean="0"/>
-              <a:t>9/16/2016 10:43 AM</a:t>
+              <a:t>10/7/2016 4:43 PM</a:t>
             </a:fld>
             <a:endParaRPr lang="en-US" dirty="0"/>
           </a:p>
@@ -22369,8 +22389,38 @@
         </p:blipFill>
         <p:spPr>
           <a:xfrm>
-            <a:off x="1132197" y="1460715"/>
-            <a:ext cx="9759950" cy="4648200"/>
+            <a:off x="143370" y="812686"/>
+            <a:ext cx="7112140" cy="3387174"/>
+          </a:xfrm>
+          <a:prstGeom prst="rect">
+            <a:avLst/>
+          </a:prstGeom>
+        </p:spPr>
+      </p:pic>
+      <p:pic>
+        <p:nvPicPr>
+          <p:cNvPr id="2" name="Picture 1"/>
+          <p:cNvPicPr>
+            <a:picLocks noChangeAspect="1"/>
+          </p:cNvPicPr>
+          <p:nvPr/>
+        </p:nvPicPr>
+        <p:blipFill>
+          <a:blip r:embed="rId4">
+            <a:extLst>
+              <a:ext uri="{28A0092B-C50C-407E-A947-70E740481C1C}">
+                <a14:useLocalDpi xmlns:a14="http://schemas.microsoft.com/office/drawing/2010/main" val="0"/>
+              </a:ext>
+            </a:extLst>
+          </a:blip>
+          <a:stretch>
+            <a:fillRect/>
+          </a:stretch>
+        </p:blipFill>
+        <p:spPr>
+          <a:xfrm>
+            <a:off x="6150934" y="4076774"/>
+            <a:ext cx="5611675" cy="2781225"/>
           </a:xfrm>
           <a:prstGeom prst="rect">
             <a:avLst/>
@@ -22471,15 +22521,7 @@
           <a:p>
             <a:r>
               <a:rPr lang="hu-HU" sz="2400" dirty="0"/>
-              <a:t>A </a:t>
-            </a:r>
-            <a:r>
-              <a:rPr lang="hu-HU" sz="2400" dirty="0" err="1"/>
-              <a:t>Core</a:t>
-            </a:r>
-            <a:r>
-              <a:rPr lang="hu-HU" sz="2400" dirty="0"/>
-              <a:t>-hoz képest is kisebb, minimális méret (400-500 MB) és erőforrásigény a tipikus felhasználásokra kihegyezve, mint például:</a:t>
+              <a:t>A Core-hoz képest is kisebb méret (400-500 MB) és erőforrásigény a tipikus felhasználásokra kihegyezve, mint például:</a:t>
             </a:r>
           </a:p>
           <a:p>
@@ -22487,29 +22529,6 @@
             <a:r>
               <a:rPr lang="hu-HU" sz="2400" dirty="0"/>
               <a:t>Klaszter építés</a:t>
-            </a:r>
-          </a:p>
-          <a:p>
-            <a:pPr lvl="1"/>
-            <a:r>
-              <a:rPr lang="hu-HU" sz="2400" dirty="0"/>
-              <a:t>Klasszikus </a:t>
-            </a:r>
-            <a:r>
-              <a:rPr lang="hu-HU" sz="2400" dirty="0" err="1"/>
-              <a:t>virtualizáció</a:t>
-            </a:r>
-            <a:r>
-              <a:rPr lang="hu-HU" sz="2400" dirty="0"/>
-              <a:t> (</a:t>
-            </a:r>
-            <a:r>
-              <a:rPr lang="hu-HU" sz="2400" dirty="0" err="1"/>
-              <a:t>Hyper</a:t>
-            </a:r>
-            <a:r>
-              <a:rPr lang="hu-HU" sz="2400" dirty="0"/>
-              <a:t>-V)</a:t>
             </a:r>
           </a:p>
           <a:p>
@@ -23492,21 +23511,6 @@
 </file>
 
 <file path=customXml/item1.xml><?xml version="1.0" encoding="utf-8"?>
-<p:properties xmlns:p="http://schemas.microsoft.com/office/2006/metadata/properties" xmlns:xsi="http://www.w3.org/2001/XMLSchema-instance" xmlns:pc="http://schemas.microsoft.com/office/infopath/2007/PartnerControls">
-  <documentManagement/>
-</p:properties>
-</file>
-
-<file path=customXml/item2.xml><?xml version="1.0" encoding="utf-8"?>
-<?mso-contentType ?>
-<FormTemplates xmlns="http://schemas.microsoft.com/sharepoint/v3/contenttype/forms">
-  <Display>DocumentLibraryForm</Display>
-  <Edit>DocumentLibraryForm</Edit>
-  <New>DocumentLibraryForm</New>
-</FormTemplates>
-</file>
-
-<file path=customXml/item3.xml><?xml version="1.0" encoding="utf-8"?>
 <ct:contentTypeSchema xmlns:ct="http://schemas.microsoft.com/office/2006/metadata/contentType" xmlns:ma="http://schemas.microsoft.com/office/2006/metadata/properties/metaAttributes" ct:_="" ma:_="" ma:contentTypeName="Dokumentum" ma:contentTypeID="0x010100400E1B0CB386DA41897B1C91E2EAB4DB" ma:contentTypeVersion="2" ma:contentTypeDescription="Új dokumentum létrehozása." ma:contentTypeScope="" ma:versionID="bda83db1e486606077fcaef580d9e1a2">
   <xsd:schema xmlns:xsd="http://www.w3.org/2001/XMLSchema" xmlns:xs="http://www.w3.org/2001/XMLSchema" xmlns:p="http://schemas.microsoft.com/office/2006/metadata/properties" xmlns:ns2="8e1ec9f0-dab9-457a-8152-2c84045392d8" targetNamespace="http://schemas.microsoft.com/office/2006/metadata/properties" ma:root="true" ma:fieldsID="619101252d1ddd1affb5fc5a258bc718" ns2:_="">
     <xsd:import namespace="8e1ec9f0-dab9-457a-8152-2c84045392d8"/>
@@ -23654,31 +23658,22 @@
 </ct:contentTypeSchema>
 </file>
 
-<file path=customXml/itemProps1.xml><?xml version="1.0" encoding="utf-8"?>
-<ds:datastoreItem xmlns:ds="http://schemas.openxmlformats.org/officeDocument/2006/customXml" ds:itemID="{9650FFFF-4C43-4091-92A4-42212B5B7212}">
-  <ds:schemaRefs>
-    <ds:schemaRef ds:uri="http://schemas.microsoft.com/office/infopath/2007/PartnerControls"/>
-    <ds:schemaRef ds:uri="http://purl.org/dc/elements/1.1/"/>
-    <ds:schemaRef ds:uri="http://schemas.microsoft.com/office/2006/metadata/properties"/>
-    <ds:schemaRef ds:uri="http://purl.org/dc/terms/"/>
-    <ds:schemaRef ds:uri="http://schemas.openxmlformats.org/package/2006/metadata/core-properties"/>
-    <ds:schemaRef ds:uri="http://schemas.microsoft.com/office/2006/documentManagement/types"/>
-    <ds:schemaRef ds:uri="8e1ec9f0-dab9-457a-8152-2c84045392d8"/>
-    <ds:schemaRef ds:uri="http://www.w3.org/XML/1998/namespace"/>
-    <ds:schemaRef ds:uri="http://purl.org/dc/dcmitype/"/>
-  </ds:schemaRefs>
-</ds:datastoreItem>
+<file path=customXml/item2.xml><?xml version="1.0" encoding="utf-8"?>
+<?mso-contentType ?>
+<FormTemplates xmlns="http://schemas.microsoft.com/sharepoint/v3/contenttype/forms">
+  <Display>DocumentLibraryForm</Display>
+  <Edit>DocumentLibraryForm</Edit>
+  <New>DocumentLibraryForm</New>
+</FormTemplates>
 </file>
 
-<file path=customXml/itemProps2.xml><?xml version="1.0" encoding="utf-8"?>
-<ds:datastoreItem xmlns:ds="http://schemas.openxmlformats.org/officeDocument/2006/customXml" ds:itemID="{827A870F-6503-4245-BAFB-99317218B176}">
-  <ds:schemaRefs>
-    <ds:schemaRef ds:uri="http://schemas.microsoft.com/sharepoint/v3/contenttype/forms"/>
-  </ds:schemaRefs>
-</ds:datastoreItem>
+<file path=customXml/item3.xml><?xml version="1.0" encoding="utf-8"?>
+<p:properties xmlns:p="http://schemas.microsoft.com/office/2006/metadata/properties" xmlns:xsi="http://www.w3.org/2001/XMLSchema-instance" xmlns:pc="http://schemas.microsoft.com/office/infopath/2007/PartnerControls">
+  <documentManagement/>
+</p:properties>
 </file>
 
-<file path=customXml/itemProps3.xml><?xml version="1.0" encoding="utf-8"?>
+<file path=customXml/itemProps1.xml><?xml version="1.0" encoding="utf-8"?>
 <ds:datastoreItem xmlns:ds="http://schemas.openxmlformats.org/officeDocument/2006/customXml" ds:itemID="{A182D35C-F3A1-404D-9122-8FB946A37B59}">
   <ds:schemaRefs>
     <ds:schemaRef ds:uri="http://schemas.microsoft.com/office/2006/metadata/contentType"/>
@@ -23694,4 +23689,28 @@
     <ds:schemaRef ds:uri="http://schemas.microsoft.com/internal/obd"/>
   </ds:schemaRefs>
 </ds:datastoreItem>
+</file>
+
+<file path=customXml/itemProps2.xml><?xml version="1.0" encoding="utf-8"?>
+<ds:datastoreItem xmlns:ds="http://schemas.openxmlformats.org/officeDocument/2006/customXml" ds:itemID="{827A870F-6503-4245-BAFB-99317218B176}">
+  <ds:schemaRefs>
+    <ds:schemaRef ds:uri="http://schemas.microsoft.com/sharepoint/v3/contenttype/forms"/>
+  </ds:schemaRefs>
+</ds:datastoreItem>
+</file>
+
+<file path=customXml/itemProps3.xml><?xml version="1.0" encoding="utf-8"?>
+<ds:datastoreItem xmlns:ds="http://schemas.openxmlformats.org/officeDocument/2006/customXml" ds:itemID="{9650FFFF-4C43-4091-92A4-42212B5B7212}">
+  <ds:schemaRefs>
+    <ds:schemaRef ds:uri="http://purl.org/dc/elements/1.1/"/>
+    <ds:schemaRef ds:uri="http://schemas.microsoft.com/office/2006/metadata/properties"/>
+    <ds:schemaRef ds:uri="http://purl.org/dc/terms/"/>
+    <ds:schemaRef ds:uri="http://schemas.microsoft.com/office/2006/documentManagement/types"/>
+    <ds:schemaRef ds:uri="http://purl.org/dc/dcmitype/"/>
+    <ds:schemaRef ds:uri="http://schemas.microsoft.com/office/infopath/2007/PartnerControls"/>
+    <ds:schemaRef ds:uri="http://schemas.openxmlformats.org/package/2006/metadata/core-properties"/>
+    <ds:schemaRef ds:uri="8e1ec9f0-dab9-457a-8152-2c84045392d8"/>
+    <ds:schemaRef ds:uri="http://www.w3.org/XML/1998/namespace"/>
+  </ds:schemaRefs>
+</ds:datastoreItem>
 </file>
--- a/Session2-Everythin_looks_the_same_in_boxes-Introduction_to_containerization/Where_are_you_Windows-Windows_Containers.pptx
+++ b/Session2-Everythin_looks_the_same_in_boxes-Introduction_to_containerization/Where_are_you_Windows-Windows_Containers.pptx
@@ -6,7 +6,7 @@
     <p:sldMasterId id="2147483662" r:id="rId5"/>
   </p:sldMasterIdLst>
   <p:notesMasterIdLst>
-    <p:notesMasterId r:id="rId11"/>
+    <p:notesMasterId r:id="rId12"/>
   </p:notesMasterIdLst>
   <p:sldIdLst>
     <p:sldId id="289" r:id="rId6"/>
@@ -14,6 +14,7 @@
     <p:sldId id="291" r:id="rId8"/>
     <p:sldId id="294" r:id="rId9"/>
     <p:sldId id="295" r:id="rId10"/>
+    <p:sldId id="296" r:id="rId11"/>
   </p:sldIdLst>
   <p:sldSz cx="12192000" cy="6858000"/>
   <p:notesSz cx="6858000" cy="9144000"/>
@@ -116,6 +117,9 @@
     <p:ext uri="{EFAFB233-063F-42B5-8137-9DF3F51BA10A}">
       <p15:sldGuideLst xmlns:p15="http://schemas.microsoft.com/office/powerpoint/2012/main"/>
     </p:ext>
+    <p:ext uri="{2D200454-40CA-4A62-9FC3-DE9A4176ACB9}">
+      <p15:notesGuideLst xmlns:p15="http://schemas.microsoft.com/office/powerpoint/2012/main"/>
+    </p:ext>
   </p:extLst>
 </p:presentation>
 </file>
@@ -202,7 +206,7 @@
           <a:p>
             <a:fld id="{F1BAF915-D872-467E-B06B-AA030D28EC54}" type="datetimeFigureOut">
               <a:rPr lang="hu-HU" smtClean="0"/>
-              <a:t>2016. 10. 07.</a:t>
+              <a:t>2016. 10. 11.</a:t>
             </a:fld>
             <a:endParaRPr lang="hu-HU"/>
           </a:p>
@@ -627,7 +631,7 @@
           <a:p>
             <a:fld id="{DDCD61BB-790A-4EFE-904A-F3FC061E4182}" type="datetime8">
               <a:rPr lang="en-US" smtClean="0"/>
-              <a:t>10/7/2016 4:45 PM</a:t>
+              <a:t>10/11/2016 8:43 AM</a:t>
             </a:fld>
             <a:endParaRPr lang="en-US" dirty="0"/>
           </a:p>
@@ -848,7 +852,7 @@
           <a:p>
             <a:fld id="{DDCD61BB-790A-4EFE-904A-F3FC061E4182}" type="datetime8">
               <a:rPr lang="en-US" smtClean="0"/>
-              <a:t>10/7/2016 4:43 PM</a:t>
+              <a:t>10/11/2016 8:42 AM</a:t>
             </a:fld>
             <a:endParaRPr lang="en-US" dirty="0"/>
           </a:p>
@@ -1037,7 +1041,7 @@
           <a:p>
             <a:fld id="{DDCD61BB-790A-4EFE-904A-F3FC061E4182}" type="datetime8">
               <a:rPr lang="en-US" smtClean="0"/>
-              <a:t>10/7/2016 4:43 PM</a:t>
+              <a:t>10/11/2016 8:42 AM</a:t>
             </a:fld>
             <a:endParaRPr lang="en-US" dirty="0"/>
           </a:p>
@@ -1221,7 +1225,7 @@
           <a:p>
             <a:fld id="{DDCD61BB-790A-4EFE-904A-F3FC061E4182}" type="datetime8">
               <a:rPr lang="en-US" smtClean="0"/>
-              <a:t>10/7/2016 4:43 PM</a:t>
+              <a:t>10/11/2016 8:42 AM</a:t>
             </a:fld>
             <a:endParaRPr lang="en-US" dirty="0"/>
           </a:p>
@@ -1255,6 +1259,289 @@
     <p:extLst>
       <p:ext uri="{BB962C8B-B14F-4D97-AF65-F5344CB8AC3E}">
         <p14:creationId xmlns:p14="http://schemas.microsoft.com/office/powerpoint/2010/main" val="1507630958"/>
+      </p:ext>
+    </p:extLst>
+  </p:cSld>
+  <p:clrMapOvr>
+    <a:masterClrMapping/>
+  </p:clrMapOvr>
+</p:notes>
+</file>
+
+<file path=ppt/notesSlides/notesSlide5.xml><?xml version="1.0" encoding="utf-8"?>
+<p:notes xmlns:a="http://schemas.openxmlformats.org/drawingml/2006/main" xmlns:r="http://schemas.openxmlformats.org/officeDocument/2006/relationships" xmlns:p="http://schemas.openxmlformats.org/presentationml/2006/main">
+  <p:cSld>
+    <p:spTree>
+      <p:nvGrpSpPr>
+        <p:cNvPr id="1" name=""/>
+        <p:cNvGrpSpPr/>
+        <p:nvPr/>
+      </p:nvGrpSpPr>
+      <p:grpSpPr>
+        <a:xfrm>
+          <a:off x="0" y="0"/>
+          <a:ext cx="0" cy="0"/>
+          <a:chOff x="0" y="0"/>
+          <a:chExt cx="0" cy="0"/>
+        </a:xfrm>
+      </p:grpSpPr>
+      <p:sp>
+        <p:nvSpPr>
+          <p:cNvPr id="14338" name="Diakép helye 1"/>
+          <p:cNvSpPr>
+            <a:spLocks noGrp="1" noRot="1" noChangeAspect="1" noTextEdit="1"/>
+          </p:cNvSpPr>
+          <p:nvPr>
+            <p:ph type="sldImg"/>
+          </p:nvPr>
+        </p:nvSpPr>
+        <p:spPr bwMode="auto">
+          <a:noFill/>
+          <a:ln>
+            <a:solidFill>
+              <a:srgbClr val="000000"/>
+            </a:solidFill>
+            <a:miter lim="800000"/>
+            <a:headEnd/>
+            <a:tailEnd/>
+          </a:ln>
+          <a:extLst>
+            <a:ext uri="{909E8E84-426E-40DD-AFC4-6F175D3DCCD1}">
+              <a14:hiddenFill xmlns:a14="http://schemas.microsoft.com/office/drawing/2010/main">
+                <a:solidFill>
+                  <a:srgbClr val="FFFFFF"/>
+                </a:solidFill>
+              </a14:hiddenFill>
+            </a:ext>
+          </a:extLst>
+        </p:spPr>
+      </p:sp>
+      <p:sp>
+        <p:nvSpPr>
+          <p:cNvPr id="14339" name="Jegyzetek helye 2"/>
+          <p:cNvSpPr>
+            <a:spLocks noGrp="1"/>
+          </p:cNvSpPr>
+          <p:nvPr>
+            <p:ph type="body" idx="1"/>
+          </p:nvPr>
+        </p:nvSpPr>
+        <p:spPr bwMode="auto">
+          <a:noFill/>
+          <a:extLst>
+            <a:ext uri="{909E8E84-426E-40DD-AFC4-6F175D3DCCD1}">
+              <a14:hiddenFill xmlns:a14="http://schemas.microsoft.com/office/drawing/2010/main">
+                <a:solidFill>
+                  <a:srgbClr val="FFFFFF"/>
+                </a:solidFill>
+              </a14:hiddenFill>
+            </a:ext>
+            <a:ext uri="{91240B29-F687-4F45-9708-019B960494DF}">
+              <a14:hiddenLine xmlns:a14="http://schemas.microsoft.com/office/drawing/2010/main" w="9525">
+                <a:solidFill>
+                  <a:srgbClr val="000000"/>
+                </a:solidFill>
+                <a:miter lim="800000"/>
+                <a:headEnd/>
+                <a:tailEnd/>
+              </a14:hiddenLine>
+            </a:ext>
+          </a:extLst>
+        </p:spPr>
+        <p:txBody>
+          <a:bodyPr/>
+          <a:lstStyle/>
+          <a:p>
+            <a:pPr eaLnBrk="1" hangingPunct="1">
+              <a:spcBef>
+                <a:spcPct val="0"/>
+              </a:spcBef>
+            </a:pPr>
+            <a:endParaRPr lang="en-US" altLang="hu-HU">
+              <a:ea typeface="ＭＳ Ｐゴシック" panose="020B0600070205080204" pitchFamily="34" charset="-128"/>
+            </a:endParaRPr>
+          </a:p>
+        </p:txBody>
+      </p:sp>
+      <p:sp>
+        <p:nvSpPr>
+          <p:cNvPr id="14340" name="Dia számának helye 3"/>
+          <p:cNvSpPr>
+            <a:spLocks noGrp="1"/>
+          </p:cNvSpPr>
+          <p:nvPr>
+            <p:ph type="sldNum" sz="quarter" idx="5"/>
+          </p:nvPr>
+        </p:nvSpPr>
+        <p:spPr bwMode="auto">
+          <a:noFill/>
+          <a:extLst>
+            <a:ext uri="{909E8E84-426E-40DD-AFC4-6F175D3DCCD1}">
+              <a14:hiddenFill xmlns:a14="http://schemas.microsoft.com/office/drawing/2010/main">
+                <a:solidFill>
+                  <a:srgbClr val="FFFFFF"/>
+                </a:solidFill>
+              </a14:hiddenFill>
+            </a:ext>
+            <a:ext uri="{91240B29-F687-4F45-9708-019B960494DF}">
+              <a14:hiddenLine xmlns:a14="http://schemas.microsoft.com/office/drawing/2010/main" w="9525">
+                <a:solidFill>
+                  <a:srgbClr val="000000"/>
+                </a:solidFill>
+                <a:miter lim="800000"/>
+                <a:headEnd/>
+                <a:tailEnd/>
+              </a14:hiddenLine>
+            </a:ext>
+          </a:extLst>
+        </p:spPr>
+        <p:txBody>
+          <a:bodyPr/>
+          <a:lstStyle>
+            <a:lvl1pPr>
+              <a:spcBef>
+                <a:spcPct val="30000"/>
+              </a:spcBef>
+              <a:defRPr sz="1200">
+                <a:solidFill>
+                  <a:schemeClr val="tx1"/>
+                </a:solidFill>
+                <a:latin typeface="Calibri" panose="020F0502020204030204" pitchFamily="34" charset="0"/>
+                <a:ea typeface="ＭＳ Ｐゴシック" panose="020B0600070205080204" pitchFamily="34" charset="-128"/>
+              </a:defRPr>
+            </a:lvl1pPr>
+            <a:lvl2pPr marL="742950" indent="-285750">
+              <a:spcBef>
+                <a:spcPct val="30000"/>
+              </a:spcBef>
+              <a:defRPr sz="1200">
+                <a:solidFill>
+                  <a:schemeClr val="tx1"/>
+                </a:solidFill>
+                <a:latin typeface="Calibri" panose="020F0502020204030204" pitchFamily="34" charset="0"/>
+                <a:ea typeface="ＭＳ Ｐゴシック" panose="020B0600070205080204" pitchFamily="34" charset="-128"/>
+              </a:defRPr>
+            </a:lvl2pPr>
+            <a:lvl3pPr marL="1143000" indent="-228600">
+              <a:spcBef>
+                <a:spcPct val="30000"/>
+              </a:spcBef>
+              <a:defRPr sz="1200">
+                <a:solidFill>
+                  <a:schemeClr val="tx1"/>
+                </a:solidFill>
+                <a:latin typeface="Calibri" panose="020F0502020204030204" pitchFamily="34" charset="0"/>
+                <a:ea typeface="ＭＳ Ｐゴシック" panose="020B0600070205080204" pitchFamily="34" charset="-128"/>
+              </a:defRPr>
+            </a:lvl3pPr>
+            <a:lvl4pPr marL="1600200" indent="-228600">
+              <a:spcBef>
+                <a:spcPct val="30000"/>
+              </a:spcBef>
+              <a:defRPr sz="1200">
+                <a:solidFill>
+                  <a:schemeClr val="tx1"/>
+                </a:solidFill>
+                <a:latin typeface="Calibri" panose="020F0502020204030204" pitchFamily="34" charset="0"/>
+                <a:ea typeface="ＭＳ Ｐゴシック" panose="020B0600070205080204" pitchFamily="34" charset="-128"/>
+              </a:defRPr>
+            </a:lvl4pPr>
+            <a:lvl5pPr marL="2057400" indent="-228600">
+              <a:spcBef>
+                <a:spcPct val="30000"/>
+              </a:spcBef>
+              <a:defRPr sz="1200">
+                <a:solidFill>
+                  <a:schemeClr val="tx1"/>
+                </a:solidFill>
+                <a:latin typeface="Calibri" panose="020F0502020204030204" pitchFamily="34" charset="0"/>
+                <a:ea typeface="ＭＳ Ｐゴシック" panose="020B0600070205080204" pitchFamily="34" charset="-128"/>
+              </a:defRPr>
+            </a:lvl5pPr>
+            <a:lvl6pPr marL="2514600" indent="-228600" eaLnBrk="0" fontAlgn="base" hangingPunct="0">
+              <a:spcBef>
+                <a:spcPct val="30000"/>
+              </a:spcBef>
+              <a:spcAft>
+                <a:spcPct val="0"/>
+              </a:spcAft>
+              <a:defRPr sz="1200">
+                <a:solidFill>
+                  <a:schemeClr val="tx1"/>
+                </a:solidFill>
+                <a:latin typeface="Calibri" panose="020F0502020204030204" pitchFamily="34" charset="0"/>
+                <a:ea typeface="ＭＳ Ｐゴシック" panose="020B0600070205080204" pitchFamily="34" charset="-128"/>
+              </a:defRPr>
+            </a:lvl6pPr>
+            <a:lvl7pPr marL="2971800" indent="-228600" eaLnBrk="0" fontAlgn="base" hangingPunct="0">
+              <a:spcBef>
+                <a:spcPct val="30000"/>
+              </a:spcBef>
+              <a:spcAft>
+                <a:spcPct val="0"/>
+              </a:spcAft>
+              <a:defRPr sz="1200">
+                <a:solidFill>
+                  <a:schemeClr val="tx1"/>
+                </a:solidFill>
+                <a:latin typeface="Calibri" panose="020F0502020204030204" pitchFamily="34" charset="0"/>
+                <a:ea typeface="ＭＳ Ｐゴシック" panose="020B0600070205080204" pitchFamily="34" charset="-128"/>
+              </a:defRPr>
+            </a:lvl7pPr>
+            <a:lvl8pPr marL="3429000" indent="-228600" eaLnBrk="0" fontAlgn="base" hangingPunct="0">
+              <a:spcBef>
+                <a:spcPct val="30000"/>
+              </a:spcBef>
+              <a:spcAft>
+                <a:spcPct val="0"/>
+              </a:spcAft>
+              <a:defRPr sz="1200">
+                <a:solidFill>
+                  <a:schemeClr val="tx1"/>
+                </a:solidFill>
+                <a:latin typeface="Calibri" panose="020F0502020204030204" pitchFamily="34" charset="0"/>
+                <a:ea typeface="ＭＳ Ｐゴシック" panose="020B0600070205080204" pitchFamily="34" charset="-128"/>
+              </a:defRPr>
+            </a:lvl8pPr>
+            <a:lvl9pPr marL="3886200" indent="-228600" eaLnBrk="0" fontAlgn="base" hangingPunct="0">
+              <a:spcBef>
+                <a:spcPct val="30000"/>
+              </a:spcBef>
+              <a:spcAft>
+                <a:spcPct val="0"/>
+              </a:spcAft>
+              <a:defRPr sz="1200">
+                <a:solidFill>
+                  <a:schemeClr val="tx1"/>
+                </a:solidFill>
+                <a:latin typeface="Calibri" panose="020F0502020204030204" pitchFamily="34" charset="0"/>
+                <a:ea typeface="ＭＳ Ｐゴシック" panose="020B0600070205080204" pitchFamily="34" charset="-128"/>
+              </a:defRPr>
+            </a:lvl9pPr>
+          </a:lstStyle>
+          <a:p>
+            <a:pPr>
+              <a:spcBef>
+                <a:spcPct val="0"/>
+              </a:spcBef>
+            </a:pPr>
+            <a:fld id="{D4136665-7F62-440F-91E6-EA84D32F76FA}" type="slidenum">
+              <a:rPr lang="hu-HU" altLang="hu-HU"/>
+              <a:pPr>
+                <a:spcBef>
+                  <a:spcPct val="0"/>
+                </a:spcBef>
+              </a:pPr>
+              <a:t>6</a:t>
+            </a:fld>
+            <a:endParaRPr lang="hu-HU" altLang="hu-HU"/>
+          </a:p>
+        </p:txBody>
+      </p:sp>
+    </p:spTree>
+    <p:extLst>
+      <p:ext uri="{BB962C8B-B14F-4D97-AF65-F5344CB8AC3E}">
+        <p14:creationId xmlns:p14="http://schemas.microsoft.com/office/powerpoint/2010/main" val="3908885769"/>
       </p:ext>
     </p:extLst>
   </p:cSld>
@@ -9063,6 +9350,219 @@
 </file>
 
 <file path=ppt/slideLayouts/slideLayout24.xml><?xml version="1.0" encoding="utf-8"?>
+<p:sldLayout xmlns:a="http://schemas.openxmlformats.org/drawingml/2006/main" xmlns:r="http://schemas.openxmlformats.org/officeDocument/2006/relationships" xmlns:p="http://schemas.openxmlformats.org/presentationml/2006/main" type="obj">
+  <p:cSld name="Cím és tartalom">
+    <p:spTree>
+      <p:nvGrpSpPr>
+        <p:cNvPr id="1" name=""/>
+        <p:cNvGrpSpPr/>
+        <p:nvPr/>
+      </p:nvGrpSpPr>
+      <p:grpSpPr>
+        <a:xfrm>
+          <a:off x="0" y="0"/>
+          <a:ext cx="0" cy="0"/>
+          <a:chOff x="0" y="0"/>
+          <a:chExt cx="0" cy="0"/>
+        </a:xfrm>
+      </p:grpSpPr>
+      <p:pic>
+        <p:nvPicPr>
+          <p:cNvPr id="4" name="Kép 6" descr="Kép1_vonal.png"/>
+          <p:cNvPicPr>
+            <a:picLocks noChangeAspect="1"/>
+          </p:cNvPicPr>
+          <p:nvPr userDrawn="1"/>
+        </p:nvPicPr>
+        <p:blipFill>
+          <a:blip r:embed="rId2">
+            <a:extLst>
+              <a:ext uri="{28A0092B-C50C-407E-A947-70E740481C1C}">
+                <a14:useLocalDpi xmlns:a14="http://schemas.microsoft.com/office/drawing/2010/main" val="0"/>
+              </a:ext>
+            </a:extLst>
+          </a:blip>
+          <a:srcRect/>
+          <a:stretch>
+            <a:fillRect/>
+          </a:stretch>
+        </p:blipFill>
+        <p:spPr bwMode="auto">
+          <a:xfrm>
+            <a:off x="656167" y="1286934"/>
+            <a:ext cx="3818467" cy="154517"/>
+          </a:xfrm>
+          <a:prstGeom prst="rect">
+            <a:avLst/>
+          </a:prstGeom>
+          <a:noFill/>
+          <a:ln>
+            <a:noFill/>
+          </a:ln>
+          <a:extLst>
+            <a:ext uri="{909E8E84-426E-40DD-AFC4-6F175D3DCCD1}">
+              <a14:hiddenFill xmlns:a14="http://schemas.microsoft.com/office/drawing/2010/main">
+                <a:solidFill>
+                  <a:srgbClr val="FFFFFF"/>
+                </a:solidFill>
+              </a14:hiddenFill>
+            </a:ext>
+            <a:ext uri="{91240B29-F687-4F45-9708-019B960494DF}">
+              <a14:hiddenLine xmlns:a14="http://schemas.microsoft.com/office/drawing/2010/main" w="9525">
+                <a:solidFill>
+                  <a:srgbClr val="000000"/>
+                </a:solidFill>
+                <a:miter lim="800000"/>
+                <a:headEnd/>
+                <a:tailEnd/>
+              </a14:hiddenLine>
+            </a:ext>
+          </a:extLst>
+        </p:spPr>
+      </p:pic>
+      <p:sp>
+        <p:nvSpPr>
+          <p:cNvPr id="2" name="Cím 1"/>
+          <p:cNvSpPr>
+            <a:spLocks noGrp="1"/>
+          </p:cNvSpPr>
+          <p:nvPr>
+            <p:ph type="title"/>
+          </p:nvPr>
+        </p:nvSpPr>
+        <p:spPr/>
+        <p:txBody>
+          <a:bodyPr/>
+          <a:lstStyle>
+            <a:lvl1pPr algn="l">
+              <a:defRPr>
+                <a:solidFill>
+                  <a:schemeClr val="tx1">
+                    <a:lumMod val="95000"/>
+                  </a:schemeClr>
+                </a:solidFill>
+              </a:defRPr>
+            </a:lvl1pPr>
+          </a:lstStyle>
+          <a:p>
+            <a:r>
+              <a:rPr lang="hu-HU" dirty="0"/>
+              <a:t>Mintacím szerkesztése</a:t>
+            </a:r>
+          </a:p>
+        </p:txBody>
+      </p:sp>
+      <p:sp>
+        <p:nvSpPr>
+          <p:cNvPr id="3" name="Tartalom helye 2"/>
+          <p:cNvSpPr>
+            <a:spLocks noGrp="1"/>
+          </p:cNvSpPr>
+          <p:nvPr>
+            <p:ph idx="1"/>
+          </p:nvPr>
+        </p:nvSpPr>
+        <p:spPr/>
+        <p:txBody>
+          <a:bodyPr/>
+          <a:lstStyle>
+            <a:lvl1pPr>
+              <a:defRPr>
+                <a:solidFill>
+                  <a:schemeClr val="tx1">
+                    <a:lumMod val="95000"/>
+                  </a:schemeClr>
+                </a:solidFill>
+              </a:defRPr>
+            </a:lvl1pPr>
+            <a:lvl2pPr>
+              <a:defRPr>
+                <a:solidFill>
+                  <a:schemeClr val="tx1">
+                    <a:lumMod val="95000"/>
+                  </a:schemeClr>
+                </a:solidFill>
+              </a:defRPr>
+            </a:lvl2pPr>
+            <a:lvl3pPr>
+              <a:defRPr>
+                <a:solidFill>
+                  <a:schemeClr val="tx1">
+                    <a:lumMod val="95000"/>
+                  </a:schemeClr>
+                </a:solidFill>
+              </a:defRPr>
+            </a:lvl3pPr>
+            <a:lvl4pPr>
+              <a:defRPr>
+                <a:solidFill>
+                  <a:schemeClr val="tx1">
+                    <a:lumMod val="95000"/>
+                  </a:schemeClr>
+                </a:solidFill>
+              </a:defRPr>
+            </a:lvl4pPr>
+            <a:lvl5pPr>
+              <a:defRPr>
+                <a:solidFill>
+                  <a:schemeClr val="tx1">
+                    <a:lumMod val="95000"/>
+                  </a:schemeClr>
+                </a:solidFill>
+              </a:defRPr>
+            </a:lvl5pPr>
+          </a:lstStyle>
+          <a:p>
+            <a:pPr lvl="0"/>
+            <a:r>
+              <a:rPr lang="hu-HU" dirty="0"/>
+              <a:t>Mintaszöveg szerkesztése</a:t>
+            </a:r>
+          </a:p>
+          <a:p>
+            <a:pPr lvl="1"/>
+            <a:r>
+              <a:rPr lang="hu-HU" dirty="0"/>
+              <a:t>Második szint</a:t>
+            </a:r>
+          </a:p>
+          <a:p>
+            <a:pPr lvl="2"/>
+            <a:r>
+              <a:rPr lang="hu-HU" dirty="0"/>
+              <a:t>Harmadik szint</a:t>
+            </a:r>
+          </a:p>
+          <a:p>
+            <a:pPr lvl="3"/>
+            <a:r>
+              <a:rPr lang="hu-HU" dirty="0"/>
+              <a:t>Negyedik szint</a:t>
+            </a:r>
+          </a:p>
+          <a:p>
+            <a:pPr lvl="4"/>
+            <a:r>
+              <a:rPr lang="hu-HU" dirty="0"/>
+              <a:t>Ötödik szint</a:t>
+            </a:r>
+          </a:p>
+        </p:txBody>
+      </p:sp>
+    </p:spTree>
+    <p:extLst>
+      <p:ext uri="{BB962C8B-B14F-4D97-AF65-F5344CB8AC3E}">
+        <p14:creationId xmlns:p14="http://schemas.microsoft.com/office/powerpoint/2010/main" val="1796131053"/>
+      </p:ext>
+    </p:extLst>
+  </p:cSld>
+  <p:clrMapOvr>
+    <a:masterClrMapping/>
+  </p:clrMapOvr>
+</p:sldLayout>
+</file>
+
+<file path=ppt/slideLayouts/slideLayout25.xml><?xml version="1.0" encoding="utf-8"?>
 <p:sldLayout xmlns:a="http://schemas.openxmlformats.org/drawingml/2006/main" xmlns:r="http://schemas.openxmlformats.org/officeDocument/2006/relationships" xmlns:p="http://schemas.openxmlformats.org/presentationml/2006/main" preserve="1" userDrawn="1">
   <p:cSld name="Cím 1">
     <p:bg>
@@ -13273,7 +13773,7 @@
 </p:sldLayout>
 </file>
 
-<file path=ppt/slideLayouts/slideLayout25.xml><?xml version="1.0" encoding="utf-8"?>
+<file path=ppt/slideLayouts/slideLayout26.xml><?xml version="1.0" encoding="utf-8"?>
 <p:sldLayout xmlns:a="http://schemas.openxmlformats.org/drawingml/2006/main" xmlns:r="http://schemas.openxmlformats.org/officeDocument/2006/relationships" xmlns:p="http://schemas.openxmlformats.org/presentationml/2006/main" preserve="1" userDrawn="1">
   <p:cSld name="Cím 2">
     <p:spTree>
@@ -13427,7 +13927,7 @@
 </p:sldLayout>
 </file>
 
-<file path=ppt/slideLayouts/slideLayout26.xml><?xml version="1.0" encoding="utf-8"?>
+<file path=ppt/slideLayouts/slideLayout27.xml><?xml version="1.0" encoding="utf-8"?>
 <p:sldLayout xmlns:a="http://schemas.openxmlformats.org/drawingml/2006/main" xmlns:r="http://schemas.openxmlformats.org/officeDocument/2006/relationships" xmlns:p="http://schemas.openxmlformats.org/presentationml/2006/main" preserve="1" userDrawn="1">
   <p:cSld name="Cím 3">
     <p:spTree>
@@ -13675,7 +14175,7 @@
 </p:sldLayout>
 </file>
 
-<file path=ppt/slideLayouts/slideLayout27.xml><?xml version="1.0" encoding="utf-8"?>
+<file path=ppt/slideLayouts/slideLayout28.xml><?xml version="1.0" encoding="utf-8"?>
 <p:sldLayout xmlns:a="http://schemas.openxmlformats.org/drawingml/2006/main" xmlns:r="http://schemas.openxmlformats.org/officeDocument/2006/relationships" xmlns:p="http://schemas.openxmlformats.org/presentationml/2006/main" preserve="1" userDrawn="1">
   <p:cSld name="Demo slide">
     <p:spTree>
@@ -13849,7 +14349,7 @@
 </p:sldLayout>
 </file>
 
-<file path=ppt/slideLayouts/slideLayout28.xml><?xml version="1.0" encoding="utf-8"?>
+<file path=ppt/slideLayouts/slideLayout29.xml><?xml version="1.0" encoding="utf-8"?>
 <p:sldLayout xmlns:a="http://schemas.openxmlformats.org/drawingml/2006/main" xmlns:r="http://schemas.openxmlformats.org/officeDocument/2006/relationships" xmlns:p="http://schemas.openxmlformats.org/presentationml/2006/main" preserve="1" userDrawn="1">
   <p:cSld name="Tartalomjegyzék">
     <p:spTree>
@@ -17293,7 +17793,191 @@
 </p:sldLayout>
 </file>
 
-<file path=ppt/slideLayouts/slideLayout29.xml><?xml version="1.0" encoding="utf-8"?>
+<file path=ppt/slideLayouts/slideLayout3.xml><?xml version="1.0" encoding="utf-8"?>
+<p:sldLayout xmlns:a="http://schemas.openxmlformats.org/drawingml/2006/main" xmlns:r="http://schemas.openxmlformats.org/officeDocument/2006/relationships" xmlns:p="http://schemas.openxmlformats.org/presentationml/2006/main" preserve="1" userDrawn="1">
+  <p:cSld name="2 hasábos felsorolás">
+    <p:spTree>
+      <p:nvGrpSpPr>
+        <p:cNvPr id="1" name=""/>
+        <p:cNvGrpSpPr/>
+        <p:nvPr/>
+      </p:nvGrpSpPr>
+      <p:grpSpPr>
+        <a:xfrm>
+          <a:off x="0" y="0"/>
+          <a:ext cx="0" cy="0"/>
+          <a:chOff x="0" y="0"/>
+          <a:chExt cx="0" cy="0"/>
+        </a:xfrm>
+      </p:grpSpPr>
+      <p:sp>
+        <p:nvSpPr>
+          <p:cNvPr id="10" name="Tartalom helye 9"/>
+          <p:cNvSpPr>
+            <a:spLocks noGrp="1"/>
+          </p:cNvSpPr>
+          <p:nvPr>
+            <p:ph sz="quarter" idx="13"/>
+          </p:nvPr>
+        </p:nvSpPr>
+        <p:spPr>
+          <a:xfrm>
+            <a:off x="6185647" y="1385888"/>
+            <a:ext cx="5739653" cy="5292725"/>
+          </a:xfrm>
+        </p:spPr>
+        <p:txBody>
+          <a:bodyPr/>
+          <a:lstStyle>
+            <a:lvl1pPr>
+              <a:defRPr>
+                <a:solidFill>
+                  <a:schemeClr val="tx1"/>
+                </a:solidFill>
+              </a:defRPr>
+            </a:lvl1pPr>
+          </a:lstStyle>
+          <a:p>
+            <a:pPr lvl="0"/>
+            <a:r>
+              <a:rPr lang="hu-HU" dirty="0"/>
+              <a:t>Mintaszöveg </a:t>
+            </a:r>
+          </a:p>
+          <a:p>
+            <a:pPr lvl="1"/>
+            <a:r>
+              <a:rPr lang="hu-HU" dirty="0"/>
+              <a:t>Második szint</a:t>
+            </a:r>
+          </a:p>
+          <a:p>
+            <a:pPr lvl="2"/>
+            <a:r>
+              <a:rPr lang="hu-HU" dirty="0"/>
+              <a:t>Harmadik szint</a:t>
+            </a:r>
+          </a:p>
+          <a:p>
+            <a:pPr lvl="3"/>
+            <a:r>
+              <a:rPr lang="hu-HU" dirty="0"/>
+              <a:t>Negyedik szint</a:t>
+            </a:r>
+          </a:p>
+          <a:p>
+            <a:pPr lvl="4"/>
+            <a:r>
+              <a:rPr lang="hu-HU" dirty="0"/>
+              <a:t>Ötödik szint</a:t>
+            </a:r>
+          </a:p>
+        </p:txBody>
+      </p:sp>
+      <p:sp>
+        <p:nvSpPr>
+          <p:cNvPr id="8" name="Tartalom helye 7"/>
+          <p:cNvSpPr>
+            <a:spLocks noGrp="1"/>
+          </p:cNvSpPr>
+          <p:nvPr>
+            <p:ph sz="quarter" idx="12"/>
+          </p:nvPr>
+        </p:nvSpPr>
+        <p:spPr>
+          <a:xfrm>
+            <a:off x="269875" y="1385888"/>
+            <a:ext cx="5503396" cy="5292725"/>
+          </a:xfrm>
+        </p:spPr>
+        <p:txBody>
+          <a:bodyPr/>
+          <a:lstStyle>
+            <a:lvl1pPr>
+              <a:defRPr>
+                <a:solidFill>
+                  <a:schemeClr val="tx1"/>
+                </a:solidFill>
+              </a:defRPr>
+            </a:lvl1pPr>
+          </a:lstStyle>
+          <a:p>
+            <a:pPr lvl="0"/>
+            <a:r>
+              <a:rPr lang="hu-HU" dirty="0"/>
+              <a:t>Mintaszöveg </a:t>
+            </a:r>
+          </a:p>
+          <a:p>
+            <a:pPr lvl="1"/>
+            <a:r>
+              <a:rPr lang="hu-HU" dirty="0"/>
+              <a:t>Második szint</a:t>
+            </a:r>
+          </a:p>
+          <a:p>
+            <a:pPr lvl="2"/>
+            <a:r>
+              <a:rPr lang="hu-HU" dirty="0"/>
+              <a:t>Harmadik szint</a:t>
+            </a:r>
+          </a:p>
+          <a:p>
+            <a:pPr lvl="3"/>
+            <a:r>
+              <a:rPr lang="hu-HU" dirty="0"/>
+              <a:t>Negyedik szint</a:t>
+            </a:r>
+          </a:p>
+          <a:p>
+            <a:pPr lvl="4"/>
+            <a:r>
+              <a:rPr lang="hu-HU" dirty="0"/>
+              <a:t>Ötödik szint</a:t>
+            </a:r>
+          </a:p>
+        </p:txBody>
+      </p:sp>
+      <p:sp>
+        <p:nvSpPr>
+          <p:cNvPr id="2" name="Title 1"/>
+          <p:cNvSpPr>
+            <a:spLocks noGrp="1"/>
+          </p:cNvSpPr>
+          <p:nvPr>
+            <p:ph type="title"/>
+          </p:nvPr>
+        </p:nvSpPr>
+        <p:spPr/>
+        <p:txBody>
+          <a:bodyPr/>
+          <a:lstStyle/>
+          <a:p>
+            <a:r>
+              <a:rPr lang="en-US"/>
+              <a:t>Click to edit Master title style</a:t>
+            </a:r>
+            <a:endParaRPr lang="en-US" dirty="0"/>
+          </a:p>
+        </p:txBody>
+      </p:sp>
+    </p:spTree>
+    <p:extLst>
+      <p:ext uri="{BB962C8B-B14F-4D97-AF65-F5344CB8AC3E}">
+        <p14:creationId xmlns:p14="http://schemas.microsoft.com/office/powerpoint/2010/main" val="1571124755"/>
+      </p:ext>
+    </p:extLst>
+  </p:cSld>
+  <p:clrMapOvr>
+    <a:masterClrMapping/>
+  </p:clrMapOvr>
+  <p:transition>
+    <p:fade/>
+  </p:transition>
+</p:sldLayout>
+</file>
+
+<file path=ppt/slideLayouts/slideLayout30.xml><?xml version="1.0" encoding="utf-8"?>
 <p:sldLayout xmlns:a="http://schemas.openxmlformats.org/drawingml/2006/main" xmlns:r="http://schemas.openxmlformats.org/officeDocument/2006/relationships" xmlns:p="http://schemas.openxmlformats.org/presentationml/2006/main" userDrawn="1">
   <p:cSld name="Title Alt">
     <p:spTree>
@@ -17478,191 +18162,7 @@
 </p:sldLayout>
 </file>
 
-<file path=ppt/slideLayouts/slideLayout3.xml><?xml version="1.0" encoding="utf-8"?>
-<p:sldLayout xmlns:a="http://schemas.openxmlformats.org/drawingml/2006/main" xmlns:r="http://schemas.openxmlformats.org/officeDocument/2006/relationships" xmlns:p="http://schemas.openxmlformats.org/presentationml/2006/main" preserve="1" userDrawn="1">
-  <p:cSld name="2 hasábos felsorolás">
-    <p:spTree>
-      <p:nvGrpSpPr>
-        <p:cNvPr id="1" name=""/>
-        <p:cNvGrpSpPr/>
-        <p:nvPr/>
-      </p:nvGrpSpPr>
-      <p:grpSpPr>
-        <a:xfrm>
-          <a:off x="0" y="0"/>
-          <a:ext cx="0" cy="0"/>
-          <a:chOff x="0" y="0"/>
-          <a:chExt cx="0" cy="0"/>
-        </a:xfrm>
-      </p:grpSpPr>
-      <p:sp>
-        <p:nvSpPr>
-          <p:cNvPr id="10" name="Tartalom helye 9"/>
-          <p:cNvSpPr>
-            <a:spLocks noGrp="1"/>
-          </p:cNvSpPr>
-          <p:nvPr>
-            <p:ph sz="quarter" idx="13"/>
-          </p:nvPr>
-        </p:nvSpPr>
-        <p:spPr>
-          <a:xfrm>
-            <a:off x="6185647" y="1385888"/>
-            <a:ext cx="5739653" cy="5292725"/>
-          </a:xfrm>
-        </p:spPr>
-        <p:txBody>
-          <a:bodyPr/>
-          <a:lstStyle>
-            <a:lvl1pPr>
-              <a:defRPr>
-                <a:solidFill>
-                  <a:schemeClr val="tx1"/>
-                </a:solidFill>
-              </a:defRPr>
-            </a:lvl1pPr>
-          </a:lstStyle>
-          <a:p>
-            <a:pPr lvl="0"/>
-            <a:r>
-              <a:rPr lang="hu-HU" dirty="0"/>
-              <a:t>Mintaszöveg </a:t>
-            </a:r>
-          </a:p>
-          <a:p>
-            <a:pPr lvl="1"/>
-            <a:r>
-              <a:rPr lang="hu-HU" dirty="0"/>
-              <a:t>Második szint</a:t>
-            </a:r>
-          </a:p>
-          <a:p>
-            <a:pPr lvl="2"/>
-            <a:r>
-              <a:rPr lang="hu-HU" dirty="0"/>
-              <a:t>Harmadik szint</a:t>
-            </a:r>
-          </a:p>
-          <a:p>
-            <a:pPr lvl="3"/>
-            <a:r>
-              <a:rPr lang="hu-HU" dirty="0"/>
-              <a:t>Negyedik szint</a:t>
-            </a:r>
-          </a:p>
-          <a:p>
-            <a:pPr lvl="4"/>
-            <a:r>
-              <a:rPr lang="hu-HU" dirty="0"/>
-              <a:t>Ötödik szint</a:t>
-            </a:r>
-          </a:p>
-        </p:txBody>
-      </p:sp>
-      <p:sp>
-        <p:nvSpPr>
-          <p:cNvPr id="8" name="Tartalom helye 7"/>
-          <p:cNvSpPr>
-            <a:spLocks noGrp="1"/>
-          </p:cNvSpPr>
-          <p:nvPr>
-            <p:ph sz="quarter" idx="12"/>
-          </p:nvPr>
-        </p:nvSpPr>
-        <p:spPr>
-          <a:xfrm>
-            <a:off x="269875" y="1385888"/>
-            <a:ext cx="5503396" cy="5292725"/>
-          </a:xfrm>
-        </p:spPr>
-        <p:txBody>
-          <a:bodyPr/>
-          <a:lstStyle>
-            <a:lvl1pPr>
-              <a:defRPr>
-                <a:solidFill>
-                  <a:schemeClr val="tx1"/>
-                </a:solidFill>
-              </a:defRPr>
-            </a:lvl1pPr>
-          </a:lstStyle>
-          <a:p>
-            <a:pPr lvl="0"/>
-            <a:r>
-              <a:rPr lang="hu-HU" dirty="0"/>
-              <a:t>Mintaszöveg </a:t>
-            </a:r>
-          </a:p>
-          <a:p>
-            <a:pPr lvl="1"/>
-            <a:r>
-              <a:rPr lang="hu-HU" dirty="0"/>
-              <a:t>Második szint</a:t>
-            </a:r>
-          </a:p>
-          <a:p>
-            <a:pPr lvl="2"/>
-            <a:r>
-              <a:rPr lang="hu-HU" dirty="0"/>
-              <a:t>Harmadik szint</a:t>
-            </a:r>
-          </a:p>
-          <a:p>
-            <a:pPr lvl="3"/>
-            <a:r>
-              <a:rPr lang="hu-HU" dirty="0"/>
-              <a:t>Negyedik szint</a:t>
-            </a:r>
-          </a:p>
-          <a:p>
-            <a:pPr lvl="4"/>
-            <a:r>
-              <a:rPr lang="hu-HU" dirty="0"/>
-              <a:t>Ötödik szint</a:t>
-            </a:r>
-          </a:p>
-        </p:txBody>
-      </p:sp>
-      <p:sp>
-        <p:nvSpPr>
-          <p:cNvPr id="2" name="Title 1"/>
-          <p:cNvSpPr>
-            <a:spLocks noGrp="1"/>
-          </p:cNvSpPr>
-          <p:nvPr>
-            <p:ph type="title"/>
-          </p:nvPr>
-        </p:nvSpPr>
-        <p:spPr/>
-        <p:txBody>
-          <a:bodyPr/>
-          <a:lstStyle/>
-          <a:p>
-            <a:r>
-              <a:rPr lang="en-US"/>
-              <a:t>Click to edit Master title style</a:t>
-            </a:r>
-            <a:endParaRPr lang="en-US" dirty="0"/>
-          </a:p>
-        </p:txBody>
-      </p:sp>
-    </p:spTree>
-    <p:extLst>
-      <p:ext uri="{BB962C8B-B14F-4D97-AF65-F5344CB8AC3E}">
-        <p14:creationId xmlns:p14="http://schemas.microsoft.com/office/powerpoint/2010/main" val="1571124755"/>
-      </p:ext>
-    </p:extLst>
-  </p:cSld>
-  <p:clrMapOvr>
-    <a:masterClrMapping/>
-  </p:clrMapOvr>
-  <p:transition>
-    <p:fade/>
-  </p:transition>
-</p:sldLayout>
-</file>
-
-<file path=ppt/slideLayouts/slideLayout30.xml><?xml version="1.0" encoding="utf-8"?>
+<file path=ppt/slideLayouts/slideLayout31.xml><?xml version="1.0" encoding="utf-8"?>
 <p:sldLayout xmlns:a="http://schemas.openxmlformats.org/drawingml/2006/main" xmlns:r="http://schemas.openxmlformats.org/officeDocument/2006/relationships" xmlns:p="http://schemas.openxmlformats.org/presentationml/2006/main" userDrawn="1">
   <p:cSld name="Headline and Content">
     <p:spTree>
@@ -18062,7 +18562,7 @@
 </p:sldLayout>
 </file>
 
-<file path=ppt/slideLayouts/slideLayout31.xml><?xml version="1.0" encoding="utf-8"?>
+<file path=ppt/slideLayouts/slideLayout32.xml><?xml version="1.0" encoding="utf-8"?>
 <p:sldLayout xmlns:a="http://schemas.openxmlformats.org/drawingml/2006/main" xmlns:r="http://schemas.openxmlformats.org/officeDocument/2006/relationships" xmlns:p="http://schemas.openxmlformats.org/presentationml/2006/main" userDrawn="1">
   <p:cSld name="Headline Only and Custom Content">
     <p:spTree>
@@ -18406,7 +18906,7 @@
 </p:sldLayout>
 </file>
 
-<file path=ppt/slideLayouts/slideLayout32.xml><?xml version="1.0" encoding="utf-8"?>
+<file path=ppt/slideLayouts/slideLayout33.xml><?xml version="1.0" encoding="utf-8"?>
 <p:sldLayout xmlns:a="http://schemas.openxmlformats.org/drawingml/2006/main" xmlns:r="http://schemas.openxmlformats.org/officeDocument/2006/relationships" xmlns:p="http://schemas.openxmlformats.org/presentationml/2006/main" userDrawn="1">
   <p:cSld name="Headline and Content Dark">
     <p:spTree>
@@ -18553,7 +19053,7 @@
 </p:sldLayout>
 </file>
 
-<file path=ppt/slideLayouts/slideLayout33.xml><?xml version="1.0" encoding="utf-8"?>
+<file path=ppt/slideLayouts/slideLayout34.xml><?xml version="1.0" encoding="utf-8"?>
 <p:sldLayout xmlns:a="http://schemas.openxmlformats.org/drawingml/2006/main" xmlns:r="http://schemas.openxmlformats.org/officeDocument/2006/relationships" xmlns:p="http://schemas.openxmlformats.org/presentationml/2006/main" userDrawn="1">
   <p:cSld name="Light Blank">
     <p:bg>
@@ -18651,7 +19151,7 @@
 </p:sldLayout>
 </file>
 
-<file path=ppt/slideLayouts/slideLayout34.xml><?xml version="1.0" encoding="utf-8"?>
+<file path=ppt/slideLayouts/slideLayout35.xml><?xml version="1.0" encoding="utf-8"?>
 <p:sldLayout xmlns:a="http://schemas.openxmlformats.org/drawingml/2006/main" xmlns:r="http://schemas.openxmlformats.org/officeDocument/2006/relationships" xmlns:p="http://schemas.openxmlformats.org/presentationml/2006/main" userDrawn="1">
   <p:cSld name="Left Headline and Content">
     <p:bg>
@@ -19008,7 +19508,7 @@
 </p:sldLayout>
 </file>
 
-<file path=ppt/slideLayouts/slideLayout35.xml><?xml version="1.0" encoding="utf-8"?>
+<file path=ppt/slideLayouts/slideLayout36.xml><?xml version="1.0" encoding="utf-8"?>
 <p:sldLayout xmlns:a="http://schemas.openxmlformats.org/drawingml/2006/main" xmlns:r="http://schemas.openxmlformats.org/officeDocument/2006/relationships" xmlns:p="http://schemas.openxmlformats.org/presentationml/2006/main" userDrawn="1">
   <p:cSld name="Headline and Content Alt">
     <p:bg>
@@ -19365,7 +19865,7 @@
 </p:sldLayout>
 </file>
 
-<file path=ppt/slideLayouts/slideLayout36.xml><?xml version="1.0" encoding="utf-8"?>
+<file path=ppt/slideLayouts/slideLayout37.xml><?xml version="1.0" encoding="utf-8"?>
 <p:sldLayout xmlns:a="http://schemas.openxmlformats.org/drawingml/2006/main" xmlns:r="http://schemas.openxmlformats.org/officeDocument/2006/relationships" xmlns:p="http://schemas.openxmlformats.org/presentationml/2006/main" userDrawn="1">
   <p:cSld name="Statement">
     <p:spTree>
@@ -19465,7 +19965,7 @@
 </p:sldLayout>
 </file>
 
-<file path=ppt/slideLayouts/slideLayout37.xml><?xml version="1.0" encoding="utf-8"?>
+<file path=ppt/slideLayouts/slideLayout38.xml><?xml version="1.0" encoding="utf-8"?>
 <p:sldLayout xmlns:a="http://schemas.openxmlformats.org/drawingml/2006/main" xmlns:r="http://schemas.openxmlformats.org/officeDocument/2006/relationships" xmlns:p="http://schemas.openxmlformats.org/presentationml/2006/main" userDrawn="1">
   <p:cSld name="Headline Bottom Only">
     <p:bg>
@@ -21073,6 +21573,7 @@
     <p:sldLayoutId id="2147483694" r:id="rId21"/>
     <p:sldLayoutId id="2147483677" r:id="rId22"/>
     <p:sldLayoutId id="2147483695" r:id="rId23"/>
+    <p:sldLayoutId id="2147483731" r:id="rId24"/>
   </p:sldLayoutIdLst>
   <p:transition>
     <p:fade/>
@@ -22389,38 +22890,8 @@
         </p:blipFill>
         <p:spPr>
           <a:xfrm>
-            <a:off x="143370" y="812686"/>
+            <a:off x="2456102" y="2040747"/>
             <a:ext cx="7112140" cy="3387174"/>
-          </a:xfrm>
-          <a:prstGeom prst="rect">
-            <a:avLst/>
-          </a:prstGeom>
-        </p:spPr>
-      </p:pic>
-      <p:pic>
-        <p:nvPicPr>
-          <p:cNvPr id="2" name="Picture 1"/>
-          <p:cNvPicPr>
-            <a:picLocks noChangeAspect="1"/>
-          </p:cNvPicPr>
-          <p:nvPr/>
-        </p:nvPicPr>
-        <p:blipFill>
-          <a:blip r:embed="rId4">
-            <a:extLst>
-              <a:ext uri="{28A0092B-C50C-407E-A947-70E740481C1C}">
-                <a14:useLocalDpi xmlns:a14="http://schemas.microsoft.com/office/drawing/2010/main" val="0"/>
-              </a:ext>
-            </a:extLst>
-          </a:blip>
-          <a:stretch>
-            <a:fillRect/>
-          </a:stretch>
-        </p:blipFill>
-        <p:spPr>
-          <a:xfrm>
-            <a:off x="6150934" y="4076774"/>
-            <a:ext cx="5611675" cy="2781225"/>
           </a:xfrm>
           <a:prstGeom prst="rect">
             <a:avLst/>
@@ -22615,6 +23086,313 @@
   <p:transition>
     <p:fade/>
   </p:transition>
+</p:sld>
+</file>
+
+<file path=ppt/slides/slide6.xml><?xml version="1.0" encoding="utf-8"?>
+<p:sld xmlns:a="http://schemas.openxmlformats.org/drawingml/2006/main" xmlns:r="http://schemas.openxmlformats.org/officeDocument/2006/relationships" xmlns:p="http://schemas.openxmlformats.org/presentationml/2006/main">
+  <p:cSld>
+    <p:spTree>
+      <p:nvGrpSpPr>
+        <p:cNvPr id="1" name=""/>
+        <p:cNvGrpSpPr/>
+        <p:nvPr/>
+      </p:nvGrpSpPr>
+      <p:grpSpPr>
+        <a:xfrm>
+          <a:off x="0" y="0"/>
+          <a:ext cx="0" cy="0"/>
+          <a:chOff x="0" y="0"/>
+          <a:chExt cx="0" cy="0"/>
+        </a:xfrm>
+      </p:grpSpPr>
+      <p:pic>
+        <p:nvPicPr>
+          <p:cNvPr id="13314" name="Picture 1" descr="EH 2015 PPT template6.jpg"/>
+          <p:cNvPicPr>
+            <a:picLocks noChangeAspect="1"/>
+          </p:cNvPicPr>
+          <p:nvPr/>
+        </p:nvPicPr>
+        <p:blipFill>
+          <a:blip r:embed="rId3">
+            <a:extLst>
+              <a:ext uri="{28A0092B-C50C-407E-A947-70E740481C1C}">
+                <a14:useLocalDpi xmlns:a14="http://schemas.microsoft.com/office/drawing/2010/main" val="0"/>
+              </a:ext>
+            </a:extLst>
+          </a:blip>
+          <a:srcRect/>
+          <a:stretch>
+            <a:fillRect/>
+          </a:stretch>
+        </p:blipFill>
+        <p:spPr bwMode="auto">
+          <a:xfrm>
+            <a:off x="1" y="0"/>
+            <a:ext cx="12187767" cy="6858000"/>
+          </a:xfrm>
+          <a:prstGeom prst="rect">
+            <a:avLst/>
+          </a:prstGeom>
+          <a:noFill/>
+          <a:ln>
+            <a:noFill/>
+          </a:ln>
+          <a:extLst>
+            <a:ext uri="{909E8E84-426E-40DD-AFC4-6F175D3DCCD1}">
+              <a14:hiddenFill xmlns:a14="http://schemas.microsoft.com/office/drawing/2010/main">
+                <a:solidFill>
+                  <a:srgbClr val="FFFFFF"/>
+                </a:solidFill>
+              </a14:hiddenFill>
+            </a:ext>
+            <a:ext uri="{91240B29-F687-4F45-9708-019B960494DF}">
+              <a14:hiddenLine xmlns:a14="http://schemas.microsoft.com/office/drawing/2010/main" w="9525">
+                <a:solidFill>
+                  <a:srgbClr val="000000"/>
+                </a:solidFill>
+                <a:miter lim="800000"/>
+                <a:headEnd/>
+                <a:tailEnd/>
+              </a14:hiddenLine>
+            </a:ext>
+          </a:extLst>
+        </p:spPr>
+      </p:pic>
+      <p:pic>
+        <p:nvPicPr>
+          <p:cNvPr id="13315" name="Picture 1"/>
+          <p:cNvPicPr>
+            <a:picLocks noChangeAspect="1"/>
+          </p:cNvPicPr>
+          <p:nvPr/>
+        </p:nvPicPr>
+        <p:blipFill>
+          <a:blip r:embed="rId4">
+            <a:extLst>
+              <a:ext uri="{28A0092B-C50C-407E-A947-70E740481C1C}">
+                <a14:useLocalDpi xmlns:a14="http://schemas.microsoft.com/office/drawing/2010/main" val="0"/>
+              </a:ext>
+            </a:extLst>
+          </a:blip>
+          <a:srcRect/>
+          <a:stretch>
+            <a:fillRect/>
+          </a:stretch>
+        </p:blipFill>
+        <p:spPr bwMode="auto">
+          <a:xfrm>
+            <a:off x="3788834" y="1221318"/>
+            <a:ext cx="4610100" cy="4607983"/>
+          </a:xfrm>
+          <a:prstGeom prst="rect">
+            <a:avLst/>
+          </a:prstGeom>
+          <a:noFill/>
+          <a:ln>
+            <a:noFill/>
+          </a:ln>
+          <a:extLst>
+            <a:ext uri="{909E8E84-426E-40DD-AFC4-6F175D3DCCD1}">
+              <a14:hiddenFill xmlns:a14="http://schemas.microsoft.com/office/drawing/2010/main">
+                <a:solidFill>
+                  <a:srgbClr val="FFFFFF"/>
+                </a:solidFill>
+              </a14:hiddenFill>
+            </a:ext>
+            <a:ext uri="{91240B29-F687-4F45-9708-019B960494DF}">
+              <a14:hiddenLine xmlns:a14="http://schemas.microsoft.com/office/drawing/2010/main" w="9525">
+                <a:solidFill>
+                  <a:srgbClr val="000000"/>
+                </a:solidFill>
+                <a:miter lim="800000"/>
+                <a:headEnd/>
+                <a:tailEnd/>
+              </a14:hiddenLine>
+            </a:ext>
+          </a:extLst>
+        </p:spPr>
+      </p:pic>
+      <p:sp>
+        <p:nvSpPr>
+          <p:cNvPr id="13316" name="Rectangle 2"/>
+          <p:cNvSpPr>
+            <a:spLocks noChangeArrowheads="1"/>
+          </p:cNvSpPr>
+          <p:nvPr/>
+        </p:nvSpPr>
+        <p:spPr bwMode="auto">
+          <a:xfrm>
+            <a:off x="3158067" y="412751"/>
+            <a:ext cx="5912196" cy="748988"/>
+          </a:xfrm>
+          <a:prstGeom prst="rect">
+            <a:avLst/>
+          </a:prstGeom>
+          <a:noFill/>
+          <a:ln>
+            <a:noFill/>
+          </a:ln>
+          <a:extLst>
+            <a:ext uri="{909E8E84-426E-40DD-AFC4-6F175D3DCCD1}">
+              <a14:hiddenFill xmlns:a14="http://schemas.microsoft.com/office/drawing/2010/main">
+                <a:solidFill>
+                  <a:srgbClr val="FFFFFF"/>
+                </a:solidFill>
+              </a14:hiddenFill>
+            </a:ext>
+            <a:ext uri="{91240B29-F687-4F45-9708-019B960494DF}">
+              <a14:hiddenLine xmlns:a14="http://schemas.microsoft.com/office/drawing/2010/main" w="9525">
+                <a:solidFill>
+                  <a:srgbClr val="000000"/>
+                </a:solidFill>
+                <a:miter lim="800000"/>
+                <a:headEnd/>
+                <a:tailEnd/>
+              </a14:hiddenLine>
+            </a:ext>
+          </a:extLst>
+        </p:spPr>
+        <p:txBody>
+          <a:bodyPr wrap="none">
+            <a:spAutoFit/>
+          </a:bodyPr>
+          <a:lstStyle>
+            <a:lvl1pPr>
+              <a:defRPr>
+                <a:solidFill>
+                  <a:schemeClr val="tx1"/>
+                </a:solidFill>
+                <a:latin typeface="Arial" panose="020B0604020202020204" pitchFamily="34" charset="0"/>
+                <a:ea typeface="ＭＳ Ｐゴシック" panose="020B0600070205080204" pitchFamily="34" charset="-128"/>
+              </a:defRPr>
+            </a:lvl1pPr>
+            <a:lvl2pPr marL="742950" indent="-285750">
+              <a:defRPr>
+                <a:solidFill>
+                  <a:schemeClr val="tx1"/>
+                </a:solidFill>
+                <a:latin typeface="Arial" panose="020B0604020202020204" pitchFamily="34" charset="0"/>
+                <a:ea typeface="ＭＳ Ｐゴシック" panose="020B0600070205080204" pitchFamily="34" charset="-128"/>
+              </a:defRPr>
+            </a:lvl2pPr>
+            <a:lvl3pPr marL="1143000" indent="-228600">
+              <a:defRPr>
+                <a:solidFill>
+                  <a:schemeClr val="tx1"/>
+                </a:solidFill>
+                <a:latin typeface="Arial" panose="020B0604020202020204" pitchFamily="34" charset="0"/>
+                <a:ea typeface="ＭＳ Ｐゴシック" panose="020B0600070205080204" pitchFamily="34" charset="-128"/>
+              </a:defRPr>
+            </a:lvl3pPr>
+            <a:lvl4pPr marL="1600200" indent="-228600">
+              <a:defRPr>
+                <a:solidFill>
+                  <a:schemeClr val="tx1"/>
+                </a:solidFill>
+                <a:latin typeface="Arial" panose="020B0604020202020204" pitchFamily="34" charset="0"/>
+                <a:ea typeface="ＭＳ Ｐゴシック" panose="020B0600070205080204" pitchFamily="34" charset="-128"/>
+              </a:defRPr>
+            </a:lvl4pPr>
+            <a:lvl5pPr marL="2057400" indent="-228600">
+              <a:defRPr>
+                <a:solidFill>
+                  <a:schemeClr val="tx1"/>
+                </a:solidFill>
+                <a:latin typeface="Arial" panose="020B0604020202020204" pitchFamily="34" charset="0"/>
+                <a:ea typeface="ＭＳ Ｐゴシック" panose="020B0600070205080204" pitchFamily="34" charset="-128"/>
+              </a:defRPr>
+            </a:lvl5pPr>
+            <a:lvl6pPr marL="2514600" indent="-228600" eaLnBrk="0" fontAlgn="base" hangingPunct="0">
+              <a:spcBef>
+                <a:spcPct val="0"/>
+              </a:spcBef>
+              <a:spcAft>
+                <a:spcPct val="0"/>
+              </a:spcAft>
+              <a:defRPr>
+                <a:solidFill>
+                  <a:schemeClr val="tx1"/>
+                </a:solidFill>
+                <a:latin typeface="Arial" panose="020B0604020202020204" pitchFamily="34" charset="0"/>
+                <a:ea typeface="ＭＳ Ｐゴシック" panose="020B0600070205080204" pitchFamily="34" charset="-128"/>
+              </a:defRPr>
+            </a:lvl6pPr>
+            <a:lvl7pPr marL="2971800" indent="-228600" eaLnBrk="0" fontAlgn="base" hangingPunct="0">
+              <a:spcBef>
+                <a:spcPct val="0"/>
+              </a:spcBef>
+              <a:spcAft>
+                <a:spcPct val="0"/>
+              </a:spcAft>
+              <a:defRPr>
+                <a:solidFill>
+                  <a:schemeClr val="tx1"/>
+                </a:solidFill>
+                <a:latin typeface="Arial" panose="020B0604020202020204" pitchFamily="34" charset="0"/>
+                <a:ea typeface="ＭＳ Ｐゴシック" panose="020B0600070205080204" pitchFamily="34" charset="-128"/>
+              </a:defRPr>
+            </a:lvl7pPr>
+            <a:lvl8pPr marL="3429000" indent="-228600" eaLnBrk="0" fontAlgn="base" hangingPunct="0">
+              <a:spcBef>
+                <a:spcPct val="0"/>
+              </a:spcBef>
+              <a:spcAft>
+                <a:spcPct val="0"/>
+              </a:spcAft>
+              <a:defRPr>
+                <a:solidFill>
+                  <a:schemeClr val="tx1"/>
+                </a:solidFill>
+                <a:latin typeface="Arial" panose="020B0604020202020204" pitchFamily="34" charset="0"/>
+                <a:ea typeface="ＭＳ Ｐゴシック" panose="020B0600070205080204" pitchFamily="34" charset="-128"/>
+              </a:defRPr>
+            </a:lvl8pPr>
+            <a:lvl9pPr marL="3886200" indent="-228600" eaLnBrk="0" fontAlgn="base" hangingPunct="0">
+              <a:spcBef>
+                <a:spcPct val="0"/>
+              </a:spcBef>
+              <a:spcAft>
+                <a:spcPct val="0"/>
+              </a:spcAft>
+              <a:defRPr>
+                <a:solidFill>
+                  <a:schemeClr val="tx1"/>
+                </a:solidFill>
+                <a:latin typeface="Arial" panose="020B0604020202020204" pitchFamily="34" charset="0"/>
+                <a:ea typeface="ＭＳ Ｐゴシック" panose="020B0600070205080204" pitchFamily="34" charset="-128"/>
+              </a:defRPr>
+            </a:lvl9pPr>
+          </a:lstStyle>
+          <a:p>
+            <a:pPr eaLnBrk="1" hangingPunct="1"/>
+            <a:r>
+              <a:rPr lang="hu-HU" altLang="hu-HU" sz="4267" u="sng">
+                <a:solidFill>
+                  <a:srgbClr val="0563C1"/>
+                </a:solidFill>
+                <a:latin typeface="Segoe UI Black" panose="020B0A02040204020203" pitchFamily="34" charset="0"/>
+                <a:hlinkClick r:id="rId5"/>
+              </a:rPr>
+              <a:t>http://spoke.at/FHLJ</a:t>
+            </a:r>
+            <a:endParaRPr lang="hu-HU" altLang="hu-HU" sz="4267">
+              <a:latin typeface="Segoe UI Black" panose="020B0A02040204020203" pitchFamily="34" charset="0"/>
+            </a:endParaRPr>
+          </a:p>
+        </p:txBody>
+      </p:sp>
+    </p:spTree>
+    <p:extLst>
+      <p:ext uri="{BB962C8B-B14F-4D97-AF65-F5344CB8AC3E}">
+        <p14:creationId xmlns:p14="http://schemas.microsoft.com/office/powerpoint/2010/main" val="3410796937"/>
+      </p:ext>
+    </p:extLst>
+  </p:cSld>
+  <p:clrMapOvr>
+    <a:masterClrMapping/>
+  </p:clrMapOvr>
 </p:sld>
 </file>
 
@@ -23511,6 +24289,21 @@
 </file>
 
 <file path=customXml/item1.xml><?xml version="1.0" encoding="utf-8"?>
+<p:properties xmlns:p="http://schemas.microsoft.com/office/2006/metadata/properties" xmlns:xsi="http://www.w3.org/2001/XMLSchema-instance" xmlns:pc="http://schemas.microsoft.com/office/infopath/2007/PartnerControls">
+  <documentManagement/>
+</p:properties>
+</file>
+
+<file path=customXml/item2.xml><?xml version="1.0" encoding="utf-8"?>
+<?mso-contentType ?>
+<FormTemplates xmlns="http://schemas.microsoft.com/sharepoint/v3/contenttype/forms">
+  <Display>DocumentLibraryForm</Display>
+  <Edit>DocumentLibraryForm</Edit>
+  <New>DocumentLibraryForm</New>
+</FormTemplates>
+</file>
+
+<file path=customXml/item3.xml><?xml version="1.0" encoding="utf-8"?>
 <ct:contentTypeSchema xmlns:ct="http://schemas.microsoft.com/office/2006/metadata/contentType" xmlns:ma="http://schemas.microsoft.com/office/2006/metadata/properties/metaAttributes" ct:_="" ma:_="" ma:contentTypeName="Dokumentum" ma:contentTypeID="0x010100400E1B0CB386DA41897B1C91E2EAB4DB" ma:contentTypeVersion="2" ma:contentTypeDescription="Új dokumentum létrehozása." ma:contentTypeScope="" ma:versionID="bda83db1e486606077fcaef580d9e1a2">
   <xsd:schema xmlns:xsd="http://www.w3.org/2001/XMLSchema" xmlns:xs="http://www.w3.org/2001/XMLSchema" xmlns:p="http://schemas.microsoft.com/office/2006/metadata/properties" xmlns:ns2="8e1ec9f0-dab9-457a-8152-2c84045392d8" targetNamespace="http://schemas.microsoft.com/office/2006/metadata/properties" ma:root="true" ma:fieldsID="619101252d1ddd1affb5fc5a258bc718" ns2:_="">
     <xsd:import namespace="8e1ec9f0-dab9-457a-8152-2c84045392d8"/>
@@ -23658,22 +24451,31 @@
 </ct:contentTypeSchema>
 </file>
 
-<file path=customXml/item2.xml><?xml version="1.0" encoding="utf-8"?>
-<?mso-contentType ?>
-<FormTemplates xmlns="http://schemas.microsoft.com/sharepoint/v3/contenttype/forms">
-  <Display>DocumentLibraryForm</Display>
-  <Edit>DocumentLibraryForm</Edit>
-  <New>DocumentLibraryForm</New>
-</FormTemplates>
+<file path=customXml/itemProps1.xml><?xml version="1.0" encoding="utf-8"?>
+<ds:datastoreItem xmlns:ds="http://schemas.openxmlformats.org/officeDocument/2006/customXml" ds:itemID="{9650FFFF-4C43-4091-92A4-42212B5B7212}">
+  <ds:schemaRefs>
+    <ds:schemaRef ds:uri="http://purl.org/dc/elements/1.1/"/>
+    <ds:schemaRef ds:uri="http://schemas.microsoft.com/office/2006/metadata/properties"/>
+    <ds:schemaRef ds:uri="http://purl.org/dc/terms/"/>
+    <ds:schemaRef ds:uri="http://schemas.microsoft.com/office/2006/documentManagement/types"/>
+    <ds:schemaRef ds:uri="http://purl.org/dc/dcmitype/"/>
+    <ds:schemaRef ds:uri="http://schemas.microsoft.com/office/infopath/2007/PartnerControls"/>
+    <ds:schemaRef ds:uri="http://schemas.openxmlformats.org/package/2006/metadata/core-properties"/>
+    <ds:schemaRef ds:uri="8e1ec9f0-dab9-457a-8152-2c84045392d8"/>
+    <ds:schemaRef ds:uri="http://www.w3.org/XML/1998/namespace"/>
+  </ds:schemaRefs>
+</ds:datastoreItem>
 </file>
 
-<file path=customXml/item3.xml><?xml version="1.0" encoding="utf-8"?>
-<p:properties xmlns:p="http://schemas.microsoft.com/office/2006/metadata/properties" xmlns:xsi="http://www.w3.org/2001/XMLSchema-instance" xmlns:pc="http://schemas.microsoft.com/office/infopath/2007/PartnerControls">
-  <documentManagement/>
-</p:properties>
+<file path=customXml/itemProps2.xml><?xml version="1.0" encoding="utf-8"?>
+<ds:datastoreItem xmlns:ds="http://schemas.openxmlformats.org/officeDocument/2006/customXml" ds:itemID="{827A870F-6503-4245-BAFB-99317218B176}">
+  <ds:schemaRefs>
+    <ds:schemaRef ds:uri="http://schemas.microsoft.com/sharepoint/v3/contenttype/forms"/>
+  </ds:schemaRefs>
+</ds:datastoreItem>
 </file>
 
-<file path=customXml/itemProps1.xml><?xml version="1.0" encoding="utf-8"?>
+<file path=customXml/itemProps3.xml><?xml version="1.0" encoding="utf-8"?>
 <ds:datastoreItem xmlns:ds="http://schemas.openxmlformats.org/officeDocument/2006/customXml" ds:itemID="{A182D35C-F3A1-404D-9122-8FB946A37B59}">
   <ds:schemaRefs>
     <ds:schemaRef ds:uri="http://schemas.microsoft.com/office/2006/metadata/contentType"/>
@@ -23689,28 +24491,4 @@
     <ds:schemaRef ds:uri="http://schemas.microsoft.com/internal/obd"/>
   </ds:schemaRefs>
 </ds:datastoreItem>
-</file>
-
-<file path=customXml/itemProps2.xml><?xml version="1.0" encoding="utf-8"?>
-<ds:datastoreItem xmlns:ds="http://schemas.openxmlformats.org/officeDocument/2006/customXml" ds:itemID="{827A870F-6503-4245-BAFB-99317218B176}">
-  <ds:schemaRefs>
-    <ds:schemaRef ds:uri="http://schemas.microsoft.com/sharepoint/v3/contenttype/forms"/>
-  </ds:schemaRefs>
-</ds:datastoreItem>
-</file>
-
-<file path=customXml/itemProps3.xml><?xml version="1.0" encoding="utf-8"?>
-<ds:datastoreItem xmlns:ds="http://schemas.openxmlformats.org/officeDocument/2006/customXml" ds:itemID="{9650FFFF-4C43-4091-92A4-42212B5B7212}">
-  <ds:schemaRefs>
-    <ds:schemaRef ds:uri="http://purl.org/dc/elements/1.1/"/>
-    <ds:schemaRef ds:uri="http://schemas.microsoft.com/office/2006/metadata/properties"/>
-    <ds:schemaRef ds:uri="http://purl.org/dc/terms/"/>
-    <ds:schemaRef ds:uri="http://schemas.microsoft.com/office/2006/documentManagement/types"/>
-    <ds:schemaRef ds:uri="http://purl.org/dc/dcmitype/"/>
-    <ds:schemaRef ds:uri="http://schemas.microsoft.com/office/infopath/2007/PartnerControls"/>
-    <ds:schemaRef ds:uri="http://schemas.openxmlformats.org/package/2006/metadata/core-properties"/>
-    <ds:schemaRef ds:uri="8e1ec9f0-dab9-457a-8152-2c84045392d8"/>
-    <ds:schemaRef ds:uri="http://www.w3.org/XML/1998/namespace"/>
-  </ds:schemaRefs>
-</ds:datastoreItem>
 </file>